--- a/ppt 16-9/0194.得神永远的产业.pptx
+++ b/ppt 16-9/0194.得神永远的产业.pptx
@@ -5,7 +5,7 @@
     <p:sldMasterId id="2147483648" r:id="rId1"/>
   </p:sldMasterIdLst>
   <p:sldIdLst>
-    <p:sldId id="2828" r:id="rId2"/>
+    <p:sldId id="2829" r:id="rId2"/>
   </p:sldIdLst>
   <p:sldSz cx="12192000" cy="6858000"/>
   <p:notesSz cx="6858000" cy="9144000"/>
@@ -129,7 +129,7 @@
           <p:cNvPr id="2" name="标题 1">
             <a:extLst>
               <a:ext uri="{FF2B5EF4-FFF2-40B4-BE49-F238E27FC236}">
-                <a16:creationId xmlns:a16="http://schemas.microsoft.com/office/drawing/2014/main" id="{6E544FE4-5053-2466-8D6A-1A524F42CF00}"/>
+                <a16:creationId xmlns:a16="http://schemas.microsoft.com/office/drawing/2014/main" id="{A1DC55BA-F0C3-15B9-0A18-A5783983FBDB}"/>
               </a:ext>
             </a:extLst>
           </p:cNvPr>
@@ -166,7 +166,7 @@
           <p:cNvPr id="3" name="副标题 2">
             <a:extLst>
               <a:ext uri="{FF2B5EF4-FFF2-40B4-BE49-F238E27FC236}">
-                <a16:creationId xmlns:a16="http://schemas.microsoft.com/office/drawing/2014/main" id="{7D2955BD-6FDD-3E0A-0D8C-E43F74F740C9}"/>
+                <a16:creationId xmlns:a16="http://schemas.microsoft.com/office/drawing/2014/main" id="{936AE59A-1979-C171-F33F-000A67BF7EDF}"/>
               </a:ext>
             </a:extLst>
           </p:cNvPr>
@@ -236,7 +236,7 @@
           <p:cNvPr id="4" name="日期占位符 3">
             <a:extLst>
               <a:ext uri="{FF2B5EF4-FFF2-40B4-BE49-F238E27FC236}">
-                <a16:creationId xmlns:a16="http://schemas.microsoft.com/office/drawing/2014/main" id="{F87FC9FF-E09D-BC1B-8029-898D0A12A38F}"/>
+                <a16:creationId xmlns:a16="http://schemas.microsoft.com/office/drawing/2014/main" id="{03A5BB96-233C-F6DA-C1B3-F6CF1CF9A5DB}"/>
               </a:ext>
             </a:extLst>
           </p:cNvPr>
@@ -252,7 +252,7 @@
           <a:bodyPr/>
           <a:lstStyle/>
           <a:p>
-            <a:fld id="{FE9CC952-4BC3-420A-95A9-5F6CE6A87E63}" type="datetimeFigureOut">
+            <a:fld id="{651AAA93-6587-4253-867E-73678E66AD14}" type="datetimeFigureOut">
               <a:rPr lang="zh-CN" altLang="en-US" smtClean="0"/>
               <a:t>2024/3/10</a:t>
             </a:fld>
@@ -265,7 +265,7 @@
           <p:cNvPr id="5" name="页脚占位符 4">
             <a:extLst>
               <a:ext uri="{FF2B5EF4-FFF2-40B4-BE49-F238E27FC236}">
-                <a16:creationId xmlns:a16="http://schemas.microsoft.com/office/drawing/2014/main" id="{8643C523-F240-D4AF-18C8-4D6EE697F8FE}"/>
+                <a16:creationId xmlns:a16="http://schemas.microsoft.com/office/drawing/2014/main" id="{72E4451E-4BF5-E4BA-0752-8ED4EE3E69B4}"/>
               </a:ext>
             </a:extLst>
           </p:cNvPr>
@@ -290,7 +290,7 @@
           <p:cNvPr id="6" name="灯片编号占位符 5">
             <a:extLst>
               <a:ext uri="{FF2B5EF4-FFF2-40B4-BE49-F238E27FC236}">
-                <a16:creationId xmlns:a16="http://schemas.microsoft.com/office/drawing/2014/main" id="{DD61D589-70A9-D7B2-38F2-895E5DA85748}"/>
+                <a16:creationId xmlns:a16="http://schemas.microsoft.com/office/drawing/2014/main" id="{0EC79407-D6C2-0CA0-1631-393005E0569E}"/>
               </a:ext>
             </a:extLst>
           </p:cNvPr>
@@ -306,7 +306,7 @@
           <a:bodyPr/>
           <a:lstStyle/>
           <a:p>
-            <a:fld id="{C0C20CD8-3B6F-4B4B-9679-06CA1F6970CD}" type="slidenum">
+            <a:fld id="{E31C52DD-7E4E-4501-80C9-79FBFDB1B73E}" type="slidenum">
               <a:rPr lang="zh-CN" altLang="en-US" smtClean="0"/>
               <a:t>‹#›</a:t>
             </a:fld>
@@ -317,7 +317,7 @@
     </p:spTree>
     <p:extLst>
       <p:ext uri="{BB962C8B-B14F-4D97-AF65-F5344CB8AC3E}">
-        <p14:creationId xmlns:p14="http://schemas.microsoft.com/office/powerpoint/2010/main" val="2377651466"/>
+        <p14:creationId xmlns:p14="http://schemas.microsoft.com/office/powerpoint/2010/main" val="229247735"/>
       </p:ext>
     </p:extLst>
   </p:cSld>
@@ -349,7 +349,7 @@
           <p:cNvPr id="2" name="标题 1">
             <a:extLst>
               <a:ext uri="{FF2B5EF4-FFF2-40B4-BE49-F238E27FC236}">
-                <a16:creationId xmlns:a16="http://schemas.microsoft.com/office/drawing/2014/main" id="{FD61E6F3-8005-7980-E9AF-63D12DC29A1A}"/>
+                <a16:creationId xmlns:a16="http://schemas.microsoft.com/office/drawing/2014/main" id="{8D09244A-EE27-EEAB-5971-B948FE924C43}"/>
               </a:ext>
             </a:extLst>
           </p:cNvPr>
@@ -377,7 +377,7 @@
           <p:cNvPr id="3" name="竖排文字占位符 2">
             <a:extLst>
               <a:ext uri="{FF2B5EF4-FFF2-40B4-BE49-F238E27FC236}">
-                <a16:creationId xmlns:a16="http://schemas.microsoft.com/office/drawing/2014/main" id="{FF93483F-09D8-27AF-351F-52648EF0E7BC}"/>
+                <a16:creationId xmlns:a16="http://schemas.microsoft.com/office/drawing/2014/main" id="{0CE267B8-A514-0FA0-D77F-457F0886BAD2}"/>
               </a:ext>
             </a:extLst>
           </p:cNvPr>
@@ -434,7 +434,7 @@
           <p:cNvPr id="4" name="日期占位符 3">
             <a:extLst>
               <a:ext uri="{FF2B5EF4-FFF2-40B4-BE49-F238E27FC236}">
-                <a16:creationId xmlns:a16="http://schemas.microsoft.com/office/drawing/2014/main" id="{E4ADC97C-5E7E-D158-3268-4E26CDF2731B}"/>
+                <a16:creationId xmlns:a16="http://schemas.microsoft.com/office/drawing/2014/main" id="{4FD05DB9-7313-9748-DBF9-CB05EB12A1FF}"/>
               </a:ext>
             </a:extLst>
           </p:cNvPr>
@@ -450,7 +450,7 @@
           <a:bodyPr/>
           <a:lstStyle/>
           <a:p>
-            <a:fld id="{FE9CC952-4BC3-420A-95A9-5F6CE6A87E63}" type="datetimeFigureOut">
+            <a:fld id="{651AAA93-6587-4253-867E-73678E66AD14}" type="datetimeFigureOut">
               <a:rPr lang="zh-CN" altLang="en-US" smtClean="0"/>
               <a:t>2024/3/10</a:t>
             </a:fld>
@@ -463,7 +463,7 @@
           <p:cNvPr id="5" name="页脚占位符 4">
             <a:extLst>
               <a:ext uri="{FF2B5EF4-FFF2-40B4-BE49-F238E27FC236}">
-                <a16:creationId xmlns:a16="http://schemas.microsoft.com/office/drawing/2014/main" id="{F0D1089B-F039-F888-BB33-47E9CF04FAD4}"/>
+                <a16:creationId xmlns:a16="http://schemas.microsoft.com/office/drawing/2014/main" id="{AC6C789B-471F-2544-6E4C-C96B35C8F89A}"/>
               </a:ext>
             </a:extLst>
           </p:cNvPr>
@@ -488,7 +488,7 @@
           <p:cNvPr id="6" name="灯片编号占位符 5">
             <a:extLst>
               <a:ext uri="{FF2B5EF4-FFF2-40B4-BE49-F238E27FC236}">
-                <a16:creationId xmlns:a16="http://schemas.microsoft.com/office/drawing/2014/main" id="{1381E9A1-30AF-A585-30B3-13E41513C7CA}"/>
+                <a16:creationId xmlns:a16="http://schemas.microsoft.com/office/drawing/2014/main" id="{3911BD65-0F97-6D28-1A3B-23F77B632E13}"/>
               </a:ext>
             </a:extLst>
           </p:cNvPr>
@@ -504,7 +504,7 @@
           <a:bodyPr/>
           <a:lstStyle/>
           <a:p>
-            <a:fld id="{C0C20CD8-3B6F-4B4B-9679-06CA1F6970CD}" type="slidenum">
+            <a:fld id="{E31C52DD-7E4E-4501-80C9-79FBFDB1B73E}" type="slidenum">
               <a:rPr lang="zh-CN" altLang="en-US" smtClean="0"/>
               <a:t>‹#›</a:t>
             </a:fld>
@@ -515,7 +515,7 @@
     </p:spTree>
     <p:extLst>
       <p:ext uri="{BB962C8B-B14F-4D97-AF65-F5344CB8AC3E}">
-        <p14:creationId xmlns:p14="http://schemas.microsoft.com/office/powerpoint/2010/main" val="1828422656"/>
+        <p14:creationId xmlns:p14="http://schemas.microsoft.com/office/powerpoint/2010/main" val="2972140329"/>
       </p:ext>
     </p:extLst>
   </p:cSld>
@@ -547,7 +547,7 @@
           <p:cNvPr id="2" name="竖排标题 1">
             <a:extLst>
               <a:ext uri="{FF2B5EF4-FFF2-40B4-BE49-F238E27FC236}">
-                <a16:creationId xmlns:a16="http://schemas.microsoft.com/office/drawing/2014/main" id="{1554F045-F785-68E5-CAC5-13D8883574ED}"/>
+                <a16:creationId xmlns:a16="http://schemas.microsoft.com/office/drawing/2014/main" id="{A2E86E43-CDCD-09DD-4217-6621514820D1}"/>
               </a:ext>
             </a:extLst>
           </p:cNvPr>
@@ -580,7 +580,7 @@
           <p:cNvPr id="3" name="竖排文字占位符 2">
             <a:extLst>
               <a:ext uri="{FF2B5EF4-FFF2-40B4-BE49-F238E27FC236}">
-                <a16:creationId xmlns:a16="http://schemas.microsoft.com/office/drawing/2014/main" id="{81303CA9-B896-77E4-7096-A12096E3DF81}"/>
+                <a16:creationId xmlns:a16="http://schemas.microsoft.com/office/drawing/2014/main" id="{A0FB02F3-E7C8-AABE-B2E8-5498CE835865}"/>
               </a:ext>
             </a:extLst>
           </p:cNvPr>
@@ -642,7 +642,7 @@
           <p:cNvPr id="4" name="日期占位符 3">
             <a:extLst>
               <a:ext uri="{FF2B5EF4-FFF2-40B4-BE49-F238E27FC236}">
-                <a16:creationId xmlns:a16="http://schemas.microsoft.com/office/drawing/2014/main" id="{7EA504CE-39BC-703E-F0F3-63CD2F1F568A}"/>
+                <a16:creationId xmlns:a16="http://schemas.microsoft.com/office/drawing/2014/main" id="{BECFC9E4-E400-674A-5119-07838CC2DA28}"/>
               </a:ext>
             </a:extLst>
           </p:cNvPr>
@@ -658,7 +658,7 @@
           <a:bodyPr/>
           <a:lstStyle/>
           <a:p>
-            <a:fld id="{FE9CC952-4BC3-420A-95A9-5F6CE6A87E63}" type="datetimeFigureOut">
+            <a:fld id="{651AAA93-6587-4253-867E-73678E66AD14}" type="datetimeFigureOut">
               <a:rPr lang="zh-CN" altLang="en-US" smtClean="0"/>
               <a:t>2024/3/10</a:t>
             </a:fld>
@@ -671,7 +671,7 @@
           <p:cNvPr id="5" name="页脚占位符 4">
             <a:extLst>
               <a:ext uri="{FF2B5EF4-FFF2-40B4-BE49-F238E27FC236}">
-                <a16:creationId xmlns:a16="http://schemas.microsoft.com/office/drawing/2014/main" id="{7B679407-8E33-768E-ADFD-3ADC015BA0A0}"/>
+                <a16:creationId xmlns:a16="http://schemas.microsoft.com/office/drawing/2014/main" id="{999AF6BC-A558-1A30-F665-013BD37BCC83}"/>
               </a:ext>
             </a:extLst>
           </p:cNvPr>
@@ -696,7 +696,7 @@
           <p:cNvPr id="6" name="灯片编号占位符 5">
             <a:extLst>
               <a:ext uri="{FF2B5EF4-FFF2-40B4-BE49-F238E27FC236}">
-                <a16:creationId xmlns:a16="http://schemas.microsoft.com/office/drawing/2014/main" id="{C0362F79-9882-5DDC-D6D2-42AADEBC657E}"/>
+                <a16:creationId xmlns:a16="http://schemas.microsoft.com/office/drawing/2014/main" id="{D6128BFA-6F04-BF72-FE95-C65D7262A756}"/>
               </a:ext>
             </a:extLst>
           </p:cNvPr>
@@ -712,7 +712,7 @@
           <a:bodyPr/>
           <a:lstStyle/>
           <a:p>
-            <a:fld id="{C0C20CD8-3B6F-4B4B-9679-06CA1F6970CD}" type="slidenum">
+            <a:fld id="{E31C52DD-7E4E-4501-80C9-79FBFDB1B73E}" type="slidenum">
               <a:rPr lang="zh-CN" altLang="en-US" smtClean="0"/>
               <a:t>‹#›</a:t>
             </a:fld>
@@ -723,7 +723,7 @@
     </p:spTree>
     <p:extLst>
       <p:ext uri="{BB962C8B-B14F-4D97-AF65-F5344CB8AC3E}">
-        <p14:creationId xmlns:p14="http://schemas.microsoft.com/office/powerpoint/2010/main" val="3525919378"/>
+        <p14:creationId xmlns:p14="http://schemas.microsoft.com/office/powerpoint/2010/main" val="1820764341"/>
       </p:ext>
     </p:extLst>
   </p:cSld>
@@ -755,7 +755,7 @@
           <p:cNvPr id="2" name="标题 1">
             <a:extLst>
               <a:ext uri="{FF2B5EF4-FFF2-40B4-BE49-F238E27FC236}">
-                <a16:creationId xmlns:a16="http://schemas.microsoft.com/office/drawing/2014/main" id="{68F34DB6-3889-FA04-AE4E-53F56A3B6610}"/>
+                <a16:creationId xmlns:a16="http://schemas.microsoft.com/office/drawing/2014/main" id="{630CB0E4-37B8-07E5-81B2-3D9497634B6A}"/>
               </a:ext>
             </a:extLst>
           </p:cNvPr>
@@ -783,7 +783,7 @@
           <p:cNvPr id="3" name="内容占位符 2">
             <a:extLst>
               <a:ext uri="{FF2B5EF4-FFF2-40B4-BE49-F238E27FC236}">
-                <a16:creationId xmlns:a16="http://schemas.microsoft.com/office/drawing/2014/main" id="{80B96882-A30D-FCC8-4A0A-B08D30FA513B}"/>
+                <a16:creationId xmlns:a16="http://schemas.microsoft.com/office/drawing/2014/main" id="{0CAA8D76-4D31-C920-183D-5A1DE54AFF84}"/>
               </a:ext>
             </a:extLst>
           </p:cNvPr>
@@ -840,7 +840,7 @@
           <p:cNvPr id="4" name="日期占位符 3">
             <a:extLst>
               <a:ext uri="{FF2B5EF4-FFF2-40B4-BE49-F238E27FC236}">
-                <a16:creationId xmlns:a16="http://schemas.microsoft.com/office/drawing/2014/main" id="{AB534909-B805-D007-5F04-E9F38994806E}"/>
+                <a16:creationId xmlns:a16="http://schemas.microsoft.com/office/drawing/2014/main" id="{DBD94312-5EC0-02D3-2FB4-0EF4A6A277C9}"/>
               </a:ext>
             </a:extLst>
           </p:cNvPr>
@@ -856,7 +856,7 @@
           <a:bodyPr/>
           <a:lstStyle/>
           <a:p>
-            <a:fld id="{FE9CC952-4BC3-420A-95A9-5F6CE6A87E63}" type="datetimeFigureOut">
+            <a:fld id="{651AAA93-6587-4253-867E-73678E66AD14}" type="datetimeFigureOut">
               <a:rPr lang="zh-CN" altLang="en-US" smtClean="0"/>
               <a:t>2024/3/10</a:t>
             </a:fld>
@@ -869,7 +869,7 @@
           <p:cNvPr id="5" name="页脚占位符 4">
             <a:extLst>
               <a:ext uri="{FF2B5EF4-FFF2-40B4-BE49-F238E27FC236}">
-                <a16:creationId xmlns:a16="http://schemas.microsoft.com/office/drawing/2014/main" id="{2A264DF6-360B-6353-2F85-76EDD0BD0B1C}"/>
+                <a16:creationId xmlns:a16="http://schemas.microsoft.com/office/drawing/2014/main" id="{A7AA7A37-867D-1991-C597-A3D4342200F0}"/>
               </a:ext>
             </a:extLst>
           </p:cNvPr>
@@ -894,7 +894,7 @@
           <p:cNvPr id="6" name="灯片编号占位符 5">
             <a:extLst>
               <a:ext uri="{FF2B5EF4-FFF2-40B4-BE49-F238E27FC236}">
-                <a16:creationId xmlns:a16="http://schemas.microsoft.com/office/drawing/2014/main" id="{DB58491A-A6BF-FF77-FC80-302A174D8410}"/>
+                <a16:creationId xmlns:a16="http://schemas.microsoft.com/office/drawing/2014/main" id="{67819F9F-617D-853E-4CDC-6876A3323E80}"/>
               </a:ext>
             </a:extLst>
           </p:cNvPr>
@@ -910,7 +910,7 @@
           <a:bodyPr/>
           <a:lstStyle/>
           <a:p>
-            <a:fld id="{C0C20CD8-3B6F-4B4B-9679-06CA1F6970CD}" type="slidenum">
+            <a:fld id="{E31C52DD-7E4E-4501-80C9-79FBFDB1B73E}" type="slidenum">
               <a:rPr lang="zh-CN" altLang="en-US" smtClean="0"/>
               <a:t>‹#›</a:t>
             </a:fld>
@@ -921,7 +921,7 @@
     </p:spTree>
     <p:extLst>
       <p:ext uri="{BB962C8B-B14F-4D97-AF65-F5344CB8AC3E}">
-        <p14:creationId xmlns:p14="http://schemas.microsoft.com/office/powerpoint/2010/main" val="320429917"/>
+        <p14:creationId xmlns:p14="http://schemas.microsoft.com/office/powerpoint/2010/main" val="3539501720"/>
       </p:ext>
     </p:extLst>
   </p:cSld>
@@ -953,7 +953,7 @@
           <p:cNvPr id="2" name="标题 1">
             <a:extLst>
               <a:ext uri="{FF2B5EF4-FFF2-40B4-BE49-F238E27FC236}">
-                <a16:creationId xmlns:a16="http://schemas.microsoft.com/office/drawing/2014/main" id="{D8E53A24-816E-E4EC-7A37-2E0AF8B58558}"/>
+                <a16:creationId xmlns:a16="http://schemas.microsoft.com/office/drawing/2014/main" id="{EF4AAC3C-09E0-B28E-087C-CE5369BB4D8D}"/>
               </a:ext>
             </a:extLst>
           </p:cNvPr>
@@ -990,7 +990,7 @@
           <p:cNvPr id="3" name="文本占位符 2">
             <a:extLst>
               <a:ext uri="{FF2B5EF4-FFF2-40B4-BE49-F238E27FC236}">
-                <a16:creationId xmlns:a16="http://schemas.microsoft.com/office/drawing/2014/main" id="{5FA299AD-C2E5-55A0-5FA8-E5B9345D00D8}"/>
+                <a16:creationId xmlns:a16="http://schemas.microsoft.com/office/drawing/2014/main" id="{474FBDD4-18F7-C086-8E56-8D2587A5B1D1}"/>
               </a:ext>
             </a:extLst>
           </p:cNvPr>
@@ -1115,7 +1115,7 @@
           <p:cNvPr id="4" name="日期占位符 3">
             <a:extLst>
               <a:ext uri="{FF2B5EF4-FFF2-40B4-BE49-F238E27FC236}">
-                <a16:creationId xmlns:a16="http://schemas.microsoft.com/office/drawing/2014/main" id="{77B4AD48-1BB7-613B-43A9-604A5624D6D4}"/>
+                <a16:creationId xmlns:a16="http://schemas.microsoft.com/office/drawing/2014/main" id="{4BBB35F7-A84C-194C-8FE1-2F61014D2AF8}"/>
               </a:ext>
             </a:extLst>
           </p:cNvPr>
@@ -1131,7 +1131,7 @@
           <a:bodyPr/>
           <a:lstStyle/>
           <a:p>
-            <a:fld id="{FE9CC952-4BC3-420A-95A9-5F6CE6A87E63}" type="datetimeFigureOut">
+            <a:fld id="{651AAA93-6587-4253-867E-73678E66AD14}" type="datetimeFigureOut">
               <a:rPr lang="zh-CN" altLang="en-US" smtClean="0"/>
               <a:t>2024/3/10</a:t>
             </a:fld>
@@ -1144,7 +1144,7 @@
           <p:cNvPr id="5" name="页脚占位符 4">
             <a:extLst>
               <a:ext uri="{FF2B5EF4-FFF2-40B4-BE49-F238E27FC236}">
-                <a16:creationId xmlns:a16="http://schemas.microsoft.com/office/drawing/2014/main" id="{B13C9311-F400-293C-BDE5-7BC0B14E3C76}"/>
+                <a16:creationId xmlns:a16="http://schemas.microsoft.com/office/drawing/2014/main" id="{8D234DE5-C722-E2D9-A1E4-0286BD494F5C}"/>
               </a:ext>
             </a:extLst>
           </p:cNvPr>
@@ -1169,7 +1169,7 @@
           <p:cNvPr id="6" name="灯片编号占位符 5">
             <a:extLst>
               <a:ext uri="{FF2B5EF4-FFF2-40B4-BE49-F238E27FC236}">
-                <a16:creationId xmlns:a16="http://schemas.microsoft.com/office/drawing/2014/main" id="{FCF3BD5B-A3DD-9E66-71CA-C3016CB6E209}"/>
+                <a16:creationId xmlns:a16="http://schemas.microsoft.com/office/drawing/2014/main" id="{16A8B30B-41F1-CA3C-658C-1B6102A1E003}"/>
               </a:ext>
             </a:extLst>
           </p:cNvPr>
@@ -1185,7 +1185,7 @@
           <a:bodyPr/>
           <a:lstStyle/>
           <a:p>
-            <a:fld id="{C0C20CD8-3B6F-4B4B-9679-06CA1F6970CD}" type="slidenum">
+            <a:fld id="{E31C52DD-7E4E-4501-80C9-79FBFDB1B73E}" type="slidenum">
               <a:rPr lang="zh-CN" altLang="en-US" smtClean="0"/>
               <a:t>‹#›</a:t>
             </a:fld>
@@ -1196,7 +1196,7 @@
     </p:spTree>
     <p:extLst>
       <p:ext uri="{BB962C8B-B14F-4D97-AF65-F5344CB8AC3E}">
-        <p14:creationId xmlns:p14="http://schemas.microsoft.com/office/powerpoint/2010/main" val="45839219"/>
+        <p14:creationId xmlns:p14="http://schemas.microsoft.com/office/powerpoint/2010/main" val="2499932680"/>
       </p:ext>
     </p:extLst>
   </p:cSld>
@@ -1228,7 +1228,7 @@
           <p:cNvPr id="2" name="标题 1">
             <a:extLst>
               <a:ext uri="{FF2B5EF4-FFF2-40B4-BE49-F238E27FC236}">
-                <a16:creationId xmlns:a16="http://schemas.microsoft.com/office/drawing/2014/main" id="{0A5DB7BB-8D21-B80B-B257-58BF1AFF07A9}"/>
+                <a16:creationId xmlns:a16="http://schemas.microsoft.com/office/drawing/2014/main" id="{BECE425E-E4DE-3D55-7216-5430C8C1FA3C}"/>
               </a:ext>
             </a:extLst>
           </p:cNvPr>
@@ -1256,7 +1256,7 @@
           <p:cNvPr id="3" name="内容占位符 2">
             <a:extLst>
               <a:ext uri="{FF2B5EF4-FFF2-40B4-BE49-F238E27FC236}">
-                <a16:creationId xmlns:a16="http://schemas.microsoft.com/office/drawing/2014/main" id="{EC3A80C3-A89A-2152-46DC-D0412AC60FE6}"/>
+                <a16:creationId xmlns:a16="http://schemas.microsoft.com/office/drawing/2014/main" id="{189BB0EA-F75E-426D-BBBB-5D1906686280}"/>
               </a:ext>
             </a:extLst>
           </p:cNvPr>
@@ -1318,7 +1318,7 @@
           <p:cNvPr id="4" name="内容占位符 3">
             <a:extLst>
               <a:ext uri="{FF2B5EF4-FFF2-40B4-BE49-F238E27FC236}">
-                <a16:creationId xmlns:a16="http://schemas.microsoft.com/office/drawing/2014/main" id="{2558B293-13DC-CBCA-4D47-F08CAFEF1000}"/>
+                <a16:creationId xmlns:a16="http://schemas.microsoft.com/office/drawing/2014/main" id="{E41080B9-53DB-2760-6792-390F2B150EBD}"/>
               </a:ext>
             </a:extLst>
           </p:cNvPr>
@@ -1380,7 +1380,7 @@
           <p:cNvPr id="5" name="日期占位符 4">
             <a:extLst>
               <a:ext uri="{FF2B5EF4-FFF2-40B4-BE49-F238E27FC236}">
-                <a16:creationId xmlns:a16="http://schemas.microsoft.com/office/drawing/2014/main" id="{C1C48C64-DF83-A182-D5F3-D90FB9D67630}"/>
+                <a16:creationId xmlns:a16="http://schemas.microsoft.com/office/drawing/2014/main" id="{A185819F-3B42-57ED-018E-ED5FCD99C9F4}"/>
               </a:ext>
             </a:extLst>
           </p:cNvPr>
@@ -1396,7 +1396,7 @@
           <a:bodyPr/>
           <a:lstStyle/>
           <a:p>
-            <a:fld id="{FE9CC952-4BC3-420A-95A9-5F6CE6A87E63}" type="datetimeFigureOut">
+            <a:fld id="{651AAA93-6587-4253-867E-73678E66AD14}" type="datetimeFigureOut">
               <a:rPr lang="zh-CN" altLang="en-US" smtClean="0"/>
               <a:t>2024/3/10</a:t>
             </a:fld>
@@ -1409,7 +1409,7 @@
           <p:cNvPr id="6" name="页脚占位符 5">
             <a:extLst>
               <a:ext uri="{FF2B5EF4-FFF2-40B4-BE49-F238E27FC236}">
-                <a16:creationId xmlns:a16="http://schemas.microsoft.com/office/drawing/2014/main" id="{BA2A7F75-2453-9A93-ECE3-67E90B0BAEB6}"/>
+                <a16:creationId xmlns:a16="http://schemas.microsoft.com/office/drawing/2014/main" id="{01D2EF12-ABB7-F9C9-31FB-5B480E6F4628}"/>
               </a:ext>
             </a:extLst>
           </p:cNvPr>
@@ -1434,7 +1434,7 @@
           <p:cNvPr id="7" name="灯片编号占位符 6">
             <a:extLst>
               <a:ext uri="{FF2B5EF4-FFF2-40B4-BE49-F238E27FC236}">
-                <a16:creationId xmlns:a16="http://schemas.microsoft.com/office/drawing/2014/main" id="{A257D906-1CF1-2380-D919-5749CE1F6017}"/>
+                <a16:creationId xmlns:a16="http://schemas.microsoft.com/office/drawing/2014/main" id="{289A505C-2D9D-B585-C562-C9296698196B}"/>
               </a:ext>
             </a:extLst>
           </p:cNvPr>
@@ -1450,7 +1450,7 @@
           <a:bodyPr/>
           <a:lstStyle/>
           <a:p>
-            <a:fld id="{C0C20CD8-3B6F-4B4B-9679-06CA1F6970CD}" type="slidenum">
+            <a:fld id="{E31C52DD-7E4E-4501-80C9-79FBFDB1B73E}" type="slidenum">
               <a:rPr lang="zh-CN" altLang="en-US" smtClean="0"/>
               <a:t>‹#›</a:t>
             </a:fld>
@@ -1461,7 +1461,7 @@
     </p:spTree>
     <p:extLst>
       <p:ext uri="{BB962C8B-B14F-4D97-AF65-F5344CB8AC3E}">
-        <p14:creationId xmlns:p14="http://schemas.microsoft.com/office/powerpoint/2010/main" val="4143700767"/>
+        <p14:creationId xmlns:p14="http://schemas.microsoft.com/office/powerpoint/2010/main" val="829491569"/>
       </p:ext>
     </p:extLst>
   </p:cSld>
@@ -1493,7 +1493,7 @@
           <p:cNvPr id="2" name="标题 1">
             <a:extLst>
               <a:ext uri="{FF2B5EF4-FFF2-40B4-BE49-F238E27FC236}">
-                <a16:creationId xmlns:a16="http://schemas.microsoft.com/office/drawing/2014/main" id="{C1D33DED-9811-2EF4-84E3-4040C0189B5B}"/>
+                <a16:creationId xmlns:a16="http://schemas.microsoft.com/office/drawing/2014/main" id="{2C0C5A96-A259-A3D1-3EBC-2AF6E929F7F2}"/>
               </a:ext>
             </a:extLst>
           </p:cNvPr>
@@ -1526,7 +1526,7 @@
           <p:cNvPr id="3" name="文本占位符 2">
             <a:extLst>
               <a:ext uri="{FF2B5EF4-FFF2-40B4-BE49-F238E27FC236}">
-                <a16:creationId xmlns:a16="http://schemas.microsoft.com/office/drawing/2014/main" id="{CB4D8339-779D-06E5-0E1C-C59374488EF0}"/>
+                <a16:creationId xmlns:a16="http://schemas.microsoft.com/office/drawing/2014/main" id="{B0176255-5021-ECB9-3C73-2901472B8A3D}"/>
               </a:ext>
             </a:extLst>
           </p:cNvPr>
@@ -1597,7 +1597,7 @@
           <p:cNvPr id="4" name="内容占位符 3">
             <a:extLst>
               <a:ext uri="{FF2B5EF4-FFF2-40B4-BE49-F238E27FC236}">
-                <a16:creationId xmlns:a16="http://schemas.microsoft.com/office/drawing/2014/main" id="{62E9CB0D-43CC-0721-0355-472B41854FAD}"/>
+                <a16:creationId xmlns:a16="http://schemas.microsoft.com/office/drawing/2014/main" id="{FA00EA1C-0000-6014-E85C-63A70803C212}"/>
               </a:ext>
             </a:extLst>
           </p:cNvPr>
@@ -1659,7 +1659,7 @@
           <p:cNvPr id="5" name="文本占位符 4">
             <a:extLst>
               <a:ext uri="{FF2B5EF4-FFF2-40B4-BE49-F238E27FC236}">
-                <a16:creationId xmlns:a16="http://schemas.microsoft.com/office/drawing/2014/main" id="{700D60E5-9F32-EAD4-F25A-285A7CA36CE1}"/>
+                <a16:creationId xmlns:a16="http://schemas.microsoft.com/office/drawing/2014/main" id="{0487B449-6EA1-402D-5947-CE9853C52FB8}"/>
               </a:ext>
             </a:extLst>
           </p:cNvPr>
@@ -1730,7 +1730,7 @@
           <p:cNvPr id="6" name="内容占位符 5">
             <a:extLst>
               <a:ext uri="{FF2B5EF4-FFF2-40B4-BE49-F238E27FC236}">
-                <a16:creationId xmlns:a16="http://schemas.microsoft.com/office/drawing/2014/main" id="{44437281-1382-55F7-DCDE-161D061FB82D}"/>
+                <a16:creationId xmlns:a16="http://schemas.microsoft.com/office/drawing/2014/main" id="{C9B9BE20-8273-FF11-AFB5-79DE04FD74F2}"/>
               </a:ext>
             </a:extLst>
           </p:cNvPr>
@@ -1792,7 +1792,7 @@
           <p:cNvPr id="7" name="日期占位符 6">
             <a:extLst>
               <a:ext uri="{FF2B5EF4-FFF2-40B4-BE49-F238E27FC236}">
-                <a16:creationId xmlns:a16="http://schemas.microsoft.com/office/drawing/2014/main" id="{440933C6-FEBD-0B6B-5F4A-6E291C85EE4D}"/>
+                <a16:creationId xmlns:a16="http://schemas.microsoft.com/office/drawing/2014/main" id="{56247584-928A-5598-DFD4-28CADCF7DF75}"/>
               </a:ext>
             </a:extLst>
           </p:cNvPr>
@@ -1808,7 +1808,7 @@
           <a:bodyPr/>
           <a:lstStyle/>
           <a:p>
-            <a:fld id="{FE9CC952-4BC3-420A-95A9-5F6CE6A87E63}" type="datetimeFigureOut">
+            <a:fld id="{651AAA93-6587-4253-867E-73678E66AD14}" type="datetimeFigureOut">
               <a:rPr lang="zh-CN" altLang="en-US" smtClean="0"/>
               <a:t>2024/3/10</a:t>
             </a:fld>
@@ -1821,7 +1821,7 @@
           <p:cNvPr id="8" name="页脚占位符 7">
             <a:extLst>
               <a:ext uri="{FF2B5EF4-FFF2-40B4-BE49-F238E27FC236}">
-                <a16:creationId xmlns:a16="http://schemas.microsoft.com/office/drawing/2014/main" id="{528AEC8B-DC96-2E78-F0AD-C0B365BB42B9}"/>
+                <a16:creationId xmlns:a16="http://schemas.microsoft.com/office/drawing/2014/main" id="{C8DC43B7-95F2-B515-3AF7-879DBC6104E4}"/>
               </a:ext>
             </a:extLst>
           </p:cNvPr>
@@ -1846,7 +1846,7 @@
           <p:cNvPr id="9" name="灯片编号占位符 8">
             <a:extLst>
               <a:ext uri="{FF2B5EF4-FFF2-40B4-BE49-F238E27FC236}">
-                <a16:creationId xmlns:a16="http://schemas.microsoft.com/office/drawing/2014/main" id="{35F66421-B9F6-422C-F667-DB58F29671C7}"/>
+                <a16:creationId xmlns:a16="http://schemas.microsoft.com/office/drawing/2014/main" id="{2B2A2BD8-CAAD-7495-09ED-8395A8E2D2F6}"/>
               </a:ext>
             </a:extLst>
           </p:cNvPr>
@@ -1862,7 +1862,7 @@
           <a:bodyPr/>
           <a:lstStyle/>
           <a:p>
-            <a:fld id="{C0C20CD8-3B6F-4B4B-9679-06CA1F6970CD}" type="slidenum">
+            <a:fld id="{E31C52DD-7E4E-4501-80C9-79FBFDB1B73E}" type="slidenum">
               <a:rPr lang="zh-CN" altLang="en-US" smtClean="0"/>
               <a:t>‹#›</a:t>
             </a:fld>
@@ -1873,7 +1873,7 @@
     </p:spTree>
     <p:extLst>
       <p:ext uri="{BB962C8B-B14F-4D97-AF65-F5344CB8AC3E}">
-        <p14:creationId xmlns:p14="http://schemas.microsoft.com/office/powerpoint/2010/main" val="3973592629"/>
+        <p14:creationId xmlns:p14="http://schemas.microsoft.com/office/powerpoint/2010/main" val="4099346456"/>
       </p:ext>
     </p:extLst>
   </p:cSld>
@@ -1905,7 +1905,7 @@
           <p:cNvPr id="2" name="标题 1">
             <a:extLst>
               <a:ext uri="{FF2B5EF4-FFF2-40B4-BE49-F238E27FC236}">
-                <a16:creationId xmlns:a16="http://schemas.microsoft.com/office/drawing/2014/main" id="{A9233F9E-39B2-E13D-FB22-EA3F7019FF9C}"/>
+                <a16:creationId xmlns:a16="http://schemas.microsoft.com/office/drawing/2014/main" id="{08C939F5-23F6-E984-E068-713BD12E8C8C}"/>
               </a:ext>
             </a:extLst>
           </p:cNvPr>
@@ -1933,7 +1933,7 @@
           <p:cNvPr id="3" name="日期占位符 2">
             <a:extLst>
               <a:ext uri="{FF2B5EF4-FFF2-40B4-BE49-F238E27FC236}">
-                <a16:creationId xmlns:a16="http://schemas.microsoft.com/office/drawing/2014/main" id="{FC603F04-2D06-C675-6C9B-DA9EF01CD79A}"/>
+                <a16:creationId xmlns:a16="http://schemas.microsoft.com/office/drawing/2014/main" id="{2B13AF67-2C48-B730-00F6-96931E61CBCD}"/>
               </a:ext>
             </a:extLst>
           </p:cNvPr>
@@ -1949,7 +1949,7 @@
           <a:bodyPr/>
           <a:lstStyle/>
           <a:p>
-            <a:fld id="{FE9CC952-4BC3-420A-95A9-5F6CE6A87E63}" type="datetimeFigureOut">
+            <a:fld id="{651AAA93-6587-4253-867E-73678E66AD14}" type="datetimeFigureOut">
               <a:rPr lang="zh-CN" altLang="en-US" smtClean="0"/>
               <a:t>2024/3/10</a:t>
             </a:fld>
@@ -1962,7 +1962,7 @@
           <p:cNvPr id="4" name="页脚占位符 3">
             <a:extLst>
               <a:ext uri="{FF2B5EF4-FFF2-40B4-BE49-F238E27FC236}">
-                <a16:creationId xmlns:a16="http://schemas.microsoft.com/office/drawing/2014/main" id="{EBCA7E70-F124-DE33-481F-C7299D032F4D}"/>
+                <a16:creationId xmlns:a16="http://schemas.microsoft.com/office/drawing/2014/main" id="{601A79FD-6D4D-17B7-D116-21A41DD4D17D}"/>
               </a:ext>
             </a:extLst>
           </p:cNvPr>
@@ -1987,7 +1987,7 @@
           <p:cNvPr id="5" name="灯片编号占位符 4">
             <a:extLst>
               <a:ext uri="{FF2B5EF4-FFF2-40B4-BE49-F238E27FC236}">
-                <a16:creationId xmlns:a16="http://schemas.microsoft.com/office/drawing/2014/main" id="{1FFFB31B-4506-A419-5659-B73F4E3D296C}"/>
+                <a16:creationId xmlns:a16="http://schemas.microsoft.com/office/drawing/2014/main" id="{D505092E-7732-B8CD-F69F-65AE9050522C}"/>
               </a:ext>
             </a:extLst>
           </p:cNvPr>
@@ -2003,7 +2003,7 @@
           <a:bodyPr/>
           <a:lstStyle/>
           <a:p>
-            <a:fld id="{C0C20CD8-3B6F-4B4B-9679-06CA1F6970CD}" type="slidenum">
+            <a:fld id="{E31C52DD-7E4E-4501-80C9-79FBFDB1B73E}" type="slidenum">
               <a:rPr lang="zh-CN" altLang="en-US" smtClean="0"/>
               <a:t>‹#›</a:t>
             </a:fld>
@@ -2014,7 +2014,7 @@
     </p:spTree>
     <p:extLst>
       <p:ext uri="{BB962C8B-B14F-4D97-AF65-F5344CB8AC3E}">
-        <p14:creationId xmlns:p14="http://schemas.microsoft.com/office/powerpoint/2010/main" val="3735764197"/>
+        <p14:creationId xmlns:p14="http://schemas.microsoft.com/office/powerpoint/2010/main" val="494817467"/>
       </p:ext>
     </p:extLst>
   </p:cSld>
@@ -2046,7 +2046,7 @@
           <p:cNvPr id="2" name="日期占位符 1">
             <a:extLst>
               <a:ext uri="{FF2B5EF4-FFF2-40B4-BE49-F238E27FC236}">
-                <a16:creationId xmlns:a16="http://schemas.microsoft.com/office/drawing/2014/main" id="{A9C9FFEF-C5E0-10B3-6F27-A07BC33A7735}"/>
+                <a16:creationId xmlns:a16="http://schemas.microsoft.com/office/drawing/2014/main" id="{C3EAECCB-76BF-7210-5EC8-A0B1C649931C}"/>
               </a:ext>
             </a:extLst>
           </p:cNvPr>
@@ -2062,7 +2062,7 @@
           <a:bodyPr/>
           <a:lstStyle/>
           <a:p>
-            <a:fld id="{FE9CC952-4BC3-420A-95A9-5F6CE6A87E63}" type="datetimeFigureOut">
+            <a:fld id="{651AAA93-6587-4253-867E-73678E66AD14}" type="datetimeFigureOut">
               <a:rPr lang="zh-CN" altLang="en-US" smtClean="0"/>
               <a:t>2024/3/10</a:t>
             </a:fld>
@@ -2075,7 +2075,7 @@
           <p:cNvPr id="3" name="页脚占位符 2">
             <a:extLst>
               <a:ext uri="{FF2B5EF4-FFF2-40B4-BE49-F238E27FC236}">
-                <a16:creationId xmlns:a16="http://schemas.microsoft.com/office/drawing/2014/main" id="{D6C38167-F7F4-9FEF-44B3-52EDBCDD1818}"/>
+                <a16:creationId xmlns:a16="http://schemas.microsoft.com/office/drawing/2014/main" id="{AF8FAEF5-93A8-133A-8D9C-71C38F7F6382}"/>
               </a:ext>
             </a:extLst>
           </p:cNvPr>
@@ -2100,7 +2100,7 @@
           <p:cNvPr id="4" name="灯片编号占位符 3">
             <a:extLst>
               <a:ext uri="{FF2B5EF4-FFF2-40B4-BE49-F238E27FC236}">
-                <a16:creationId xmlns:a16="http://schemas.microsoft.com/office/drawing/2014/main" id="{1CEA94CF-09E0-456F-1644-288A971A9BB7}"/>
+                <a16:creationId xmlns:a16="http://schemas.microsoft.com/office/drawing/2014/main" id="{96A0F339-269A-320A-FD10-8F77582DBB37}"/>
               </a:ext>
             </a:extLst>
           </p:cNvPr>
@@ -2116,7 +2116,7 @@
           <a:bodyPr/>
           <a:lstStyle/>
           <a:p>
-            <a:fld id="{C0C20CD8-3B6F-4B4B-9679-06CA1F6970CD}" type="slidenum">
+            <a:fld id="{E31C52DD-7E4E-4501-80C9-79FBFDB1B73E}" type="slidenum">
               <a:rPr lang="zh-CN" altLang="en-US" smtClean="0"/>
               <a:t>‹#›</a:t>
             </a:fld>
@@ -2127,7 +2127,7 @@
     </p:spTree>
     <p:extLst>
       <p:ext uri="{BB962C8B-B14F-4D97-AF65-F5344CB8AC3E}">
-        <p14:creationId xmlns:p14="http://schemas.microsoft.com/office/powerpoint/2010/main" val="2534669602"/>
+        <p14:creationId xmlns:p14="http://schemas.microsoft.com/office/powerpoint/2010/main" val="3403576852"/>
       </p:ext>
     </p:extLst>
   </p:cSld>
@@ -2159,7 +2159,7 @@
           <p:cNvPr id="2" name="标题 1">
             <a:extLst>
               <a:ext uri="{FF2B5EF4-FFF2-40B4-BE49-F238E27FC236}">
-                <a16:creationId xmlns:a16="http://schemas.microsoft.com/office/drawing/2014/main" id="{DB804C08-64AF-1E86-B986-5421E560DF09}"/>
+                <a16:creationId xmlns:a16="http://schemas.microsoft.com/office/drawing/2014/main" id="{BDDB0EFB-8B98-6049-902A-38428E3507E9}"/>
               </a:ext>
             </a:extLst>
           </p:cNvPr>
@@ -2196,7 +2196,7 @@
           <p:cNvPr id="3" name="内容占位符 2">
             <a:extLst>
               <a:ext uri="{FF2B5EF4-FFF2-40B4-BE49-F238E27FC236}">
-                <a16:creationId xmlns:a16="http://schemas.microsoft.com/office/drawing/2014/main" id="{4C111F17-D33D-4DD7-806B-DCC0E101571B}"/>
+                <a16:creationId xmlns:a16="http://schemas.microsoft.com/office/drawing/2014/main" id="{88E640E8-E139-6B60-2713-4916CB464416}"/>
               </a:ext>
             </a:extLst>
           </p:cNvPr>
@@ -2286,7 +2286,7 @@
           <p:cNvPr id="4" name="文本占位符 3">
             <a:extLst>
               <a:ext uri="{FF2B5EF4-FFF2-40B4-BE49-F238E27FC236}">
-                <a16:creationId xmlns:a16="http://schemas.microsoft.com/office/drawing/2014/main" id="{3C190B0C-AA5A-203C-C1C5-445F9E484B94}"/>
+                <a16:creationId xmlns:a16="http://schemas.microsoft.com/office/drawing/2014/main" id="{052569E4-8F1A-AAE5-D8A7-92855E92782F}"/>
               </a:ext>
             </a:extLst>
           </p:cNvPr>
@@ -2357,7 +2357,7 @@
           <p:cNvPr id="5" name="日期占位符 4">
             <a:extLst>
               <a:ext uri="{FF2B5EF4-FFF2-40B4-BE49-F238E27FC236}">
-                <a16:creationId xmlns:a16="http://schemas.microsoft.com/office/drawing/2014/main" id="{A411BB42-E478-1CFE-BF7E-317417B61FAA}"/>
+                <a16:creationId xmlns:a16="http://schemas.microsoft.com/office/drawing/2014/main" id="{AE69B885-C0C8-B337-5849-76744B90C332}"/>
               </a:ext>
             </a:extLst>
           </p:cNvPr>
@@ -2373,7 +2373,7 @@
           <a:bodyPr/>
           <a:lstStyle/>
           <a:p>
-            <a:fld id="{FE9CC952-4BC3-420A-95A9-5F6CE6A87E63}" type="datetimeFigureOut">
+            <a:fld id="{651AAA93-6587-4253-867E-73678E66AD14}" type="datetimeFigureOut">
               <a:rPr lang="zh-CN" altLang="en-US" smtClean="0"/>
               <a:t>2024/3/10</a:t>
             </a:fld>
@@ -2386,7 +2386,7 @@
           <p:cNvPr id="6" name="页脚占位符 5">
             <a:extLst>
               <a:ext uri="{FF2B5EF4-FFF2-40B4-BE49-F238E27FC236}">
-                <a16:creationId xmlns:a16="http://schemas.microsoft.com/office/drawing/2014/main" id="{43E51520-7922-836A-9CF6-4F520A2C595C}"/>
+                <a16:creationId xmlns:a16="http://schemas.microsoft.com/office/drawing/2014/main" id="{6A830D8A-0A8A-1A99-B51C-80EBDC9910BD}"/>
               </a:ext>
             </a:extLst>
           </p:cNvPr>
@@ -2411,7 +2411,7 @@
           <p:cNvPr id="7" name="灯片编号占位符 6">
             <a:extLst>
               <a:ext uri="{FF2B5EF4-FFF2-40B4-BE49-F238E27FC236}">
-                <a16:creationId xmlns:a16="http://schemas.microsoft.com/office/drawing/2014/main" id="{7AF425DF-3EFE-143B-3201-45AA1604CE49}"/>
+                <a16:creationId xmlns:a16="http://schemas.microsoft.com/office/drawing/2014/main" id="{2AB913EF-655D-A30E-0B14-C5308CDE2AFC}"/>
               </a:ext>
             </a:extLst>
           </p:cNvPr>
@@ -2427,7 +2427,7 @@
           <a:bodyPr/>
           <a:lstStyle/>
           <a:p>
-            <a:fld id="{C0C20CD8-3B6F-4B4B-9679-06CA1F6970CD}" type="slidenum">
+            <a:fld id="{E31C52DD-7E4E-4501-80C9-79FBFDB1B73E}" type="slidenum">
               <a:rPr lang="zh-CN" altLang="en-US" smtClean="0"/>
               <a:t>‹#›</a:t>
             </a:fld>
@@ -2438,7 +2438,7 @@
     </p:spTree>
     <p:extLst>
       <p:ext uri="{BB962C8B-B14F-4D97-AF65-F5344CB8AC3E}">
-        <p14:creationId xmlns:p14="http://schemas.microsoft.com/office/powerpoint/2010/main" val="1627163742"/>
+        <p14:creationId xmlns:p14="http://schemas.microsoft.com/office/powerpoint/2010/main" val="2880718100"/>
       </p:ext>
     </p:extLst>
   </p:cSld>
@@ -2470,7 +2470,7 @@
           <p:cNvPr id="2" name="标题 1">
             <a:extLst>
               <a:ext uri="{FF2B5EF4-FFF2-40B4-BE49-F238E27FC236}">
-                <a16:creationId xmlns:a16="http://schemas.microsoft.com/office/drawing/2014/main" id="{5E26D2C3-F5A1-CE09-7518-110ADC3BEC7B}"/>
+                <a16:creationId xmlns:a16="http://schemas.microsoft.com/office/drawing/2014/main" id="{1B5CA501-B155-B157-8FA9-3C3F2E173932}"/>
               </a:ext>
             </a:extLst>
           </p:cNvPr>
@@ -2507,7 +2507,7 @@
           <p:cNvPr id="3" name="图片占位符 2">
             <a:extLst>
               <a:ext uri="{FF2B5EF4-FFF2-40B4-BE49-F238E27FC236}">
-                <a16:creationId xmlns:a16="http://schemas.microsoft.com/office/drawing/2014/main" id="{B0275F94-3063-D63E-BEEC-314942091C10}"/>
+                <a16:creationId xmlns:a16="http://schemas.microsoft.com/office/drawing/2014/main" id="{E4A07A54-366F-2B17-4BCD-F633B5BE7FD8}"/>
               </a:ext>
             </a:extLst>
           </p:cNvPr>
@@ -2574,7 +2574,7 @@
           <p:cNvPr id="4" name="文本占位符 3">
             <a:extLst>
               <a:ext uri="{FF2B5EF4-FFF2-40B4-BE49-F238E27FC236}">
-                <a16:creationId xmlns:a16="http://schemas.microsoft.com/office/drawing/2014/main" id="{25B499E3-2C05-A0D8-13A7-08889EB7939B}"/>
+                <a16:creationId xmlns:a16="http://schemas.microsoft.com/office/drawing/2014/main" id="{E25BAD28-F338-DE2F-3966-AE2915F1853E}"/>
               </a:ext>
             </a:extLst>
           </p:cNvPr>
@@ -2645,7 +2645,7 @@
           <p:cNvPr id="5" name="日期占位符 4">
             <a:extLst>
               <a:ext uri="{FF2B5EF4-FFF2-40B4-BE49-F238E27FC236}">
-                <a16:creationId xmlns:a16="http://schemas.microsoft.com/office/drawing/2014/main" id="{63207D8C-535B-B784-59A3-80F09554FFDD}"/>
+                <a16:creationId xmlns:a16="http://schemas.microsoft.com/office/drawing/2014/main" id="{3891D634-A190-5F63-F26E-34C1DE5B6C5D}"/>
               </a:ext>
             </a:extLst>
           </p:cNvPr>
@@ -2661,7 +2661,7 @@
           <a:bodyPr/>
           <a:lstStyle/>
           <a:p>
-            <a:fld id="{FE9CC952-4BC3-420A-95A9-5F6CE6A87E63}" type="datetimeFigureOut">
+            <a:fld id="{651AAA93-6587-4253-867E-73678E66AD14}" type="datetimeFigureOut">
               <a:rPr lang="zh-CN" altLang="en-US" smtClean="0"/>
               <a:t>2024/3/10</a:t>
             </a:fld>
@@ -2674,7 +2674,7 @@
           <p:cNvPr id="6" name="页脚占位符 5">
             <a:extLst>
               <a:ext uri="{FF2B5EF4-FFF2-40B4-BE49-F238E27FC236}">
-                <a16:creationId xmlns:a16="http://schemas.microsoft.com/office/drawing/2014/main" id="{06CF8924-3EEC-AD64-9609-0BB04238C4F4}"/>
+                <a16:creationId xmlns:a16="http://schemas.microsoft.com/office/drawing/2014/main" id="{42860C3B-9E77-2429-7100-1E8860EF0C7C}"/>
               </a:ext>
             </a:extLst>
           </p:cNvPr>
@@ -2699,7 +2699,7 @@
           <p:cNvPr id="7" name="灯片编号占位符 6">
             <a:extLst>
               <a:ext uri="{FF2B5EF4-FFF2-40B4-BE49-F238E27FC236}">
-                <a16:creationId xmlns:a16="http://schemas.microsoft.com/office/drawing/2014/main" id="{315E37FC-0E04-DB61-E128-17D1FF60BE84}"/>
+                <a16:creationId xmlns:a16="http://schemas.microsoft.com/office/drawing/2014/main" id="{7F6C7EAB-CB62-212C-FB01-ACAB1C5C605A}"/>
               </a:ext>
             </a:extLst>
           </p:cNvPr>
@@ -2715,7 +2715,7 @@
           <a:bodyPr/>
           <a:lstStyle/>
           <a:p>
-            <a:fld id="{C0C20CD8-3B6F-4B4B-9679-06CA1F6970CD}" type="slidenum">
+            <a:fld id="{E31C52DD-7E4E-4501-80C9-79FBFDB1B73E}" type="slidenum">
               <a:rPr lang="zh-CN" altLang="en-US" smtClean="0"/>
               <a:t>‹#›</a:t>
             </a:fld>
@@ -2726,7 +2726,7 @@
     </p:spTree>
     <p:extLst>
       <p:ext uri="{BB962C8B-B14F-4D97-AF65-F5344CB8AC3E}">
-        <p14:creationId xmlns:p14="http://schemas.microsoft.com/office/powerpoint/2010/main" val="2354014745"/>
+        <p14:creationId xmlns:p14="http://schemas.microsoft.com/office/powerpoint/2010/main" val="295787822"/>
       </p:ext>
     </p:extLst>
   </p:cSld>
@@ -2763,7 +2763,7 @@
           <p:cNvPr id="2" name="标题占位符 1">
             <a:extLst>
               <a:ext uri="{FF2B5EF4-FFF2-40B4-BE49-F238E27FC236}">
-                <a16:creationId xmlns:a16="http://schemas.microsoft.com/office/drawing/2014/main" id="{124178BB-7056-ED94-7566-30589A98D5E7}"/>
+                <a16:creationId xmlns:a16="http://schemas.microsoft.com/office/drawing/2014/main" id="{09095E93-0F05-AE61-906B-36312EF72662}"/>
               </a:ext>
             </a:extLst>
           </p:cNvPr>
@@ -2801,7 +2801,7 @@
           <p:cNvPr id="3" name="文本占位符 2">
             <a:extLst>
               <a:ext uri="{FF2B5EF4-FFF2-40B4-BE49-F238E27FC236}">
-                <a16:creationId xmlns:a16="http://schemas.microsoft.com/office/drawing/2014/main" id="{11868505-5892-7295-70F5-05E34BD2D8D6}"/>
+                <a16:creationId xmlns:a16="http://schemas.microsoft.com/office/drawing/2014/main" id="{E5DF4970-054D-DD1E-C597-17B19E5CA188}"/>
               </a:ext>
             </a:extLst>
           </p:cNvPr>
@@ -2868,7 +2868,7 @@
           <p:cNvPr id="4" name="日期占位符 3">
             <a:extLst>
               <a:ext uri="{FF2B5EF4-FFF2-40B4-BE49-F238E27FC236}">
-                <a16:creationId xmlns:a16="http://schemas.microsoft.com/office/drawing/2014/main" id="{486E3153-370B-E5A8-D647-07454EAB4004}"/>
+                <a16:creationId xmlns:a16="http://schemas.microsoft.com/office/drawing/2014/main" id="{12B5C960-5946-5DFA-4A0C-450A8F49BCFB}"/>
               </a:ext>
             </a:extLst>
           </p:cNvPr>
@@ -2902,7 +2902,7 @@
             </a:lvl1pPr>
           </a:lstStyle>
           <a:p>
-            <a:fld id="{FE9CC952-4BC3-420A-95A9-5F6CE6A87E63}" type="datetimeFigureOut">
+            <a:fld id="{651AAA93-6587-4253-867E-73678E66AD14}" type="datetimeFigureOut">
               <a:rPr lang="zh-CN" altLang="en-US" smtClean="0"/>
               <a:t>2024/3/10</a:t>
             </a:fld>
@@ -2915,7 +2915,7 @@
           <p:cNvPr id="5" name="页脚占位符 4">
             <a:extLst>
               <a:ext uri="{FF2B5EF4-FFF2-40B4-BE49-F238E27FC236}">
-                <a16:creationId xmlns:a16="http://schemas.microsoft.com/office/drawing/2014/main" id="{874C5DFA-B691-A8FB-8912-CCCA0988AE84}"/>
+                <a16:creationId xmlns:a16="http://schemas.microsoft.com/office/drawing/2014/main" id="{94A48B7A-B9CB-7A7E-9BBB-686DAC5FF804}"/>
               </a:ext>
             </a:extLst>
           </p:cNvPr>
@@ -2958,7 +2958,7 @@
           <p:cNvPr id="6" name="灯片编号占位符 5">
             <a:extLst>
               <a:ext uri="{FF2B5EF4-FFF2-40B4-BE49-F238E27FC236}">
-                <a16:creationId xmlns:a16="http://schemas.microsoft.com/office/drawing/2014/main" id="{19D0954C-3141-4576-B6B5-958EBB229FB1}"/>
+                <a16:creationId xmlns:a16="http://schemas.microsoft.com/office/drawing/2014/main" id="{3DE8888E-C891-2AA3-8785-BD4319EBF27E}"/>
               </a:ext>
             </a:extLst>
           </p:cNvPr>
@@ -2992,7 +2992,7 @@
             </a:lvl1pPr>
           </a:lstStyle>
           <a:p>
-            <a:fld id="{C0C20CD8-3B6F-4B4B-9679-06CA1F6970CD}" type="slidenum">
+            <a:fld id="{E31C52DD-7E4E-4501-80C9-79FBFDB1B73E}" type="slidenum">
               <a:rPr lang="zh-CN" altLang="en-US" smtClean="0"/>
               <a:t>‹#›</a:t>
             </a:fld>
@@ -3003,7 +3003,7 @@
     </p:spTree>
     <p:extLst>
       <p:ext uri="{BB962C8B-B14F-4D97-AF65-F5344CB8AC3E}">
-        <p14:creationId xmlns:p14="http://schemas.microsoft.com/office/powerpoint/2010/main" val="4280413787"/>
+        <p14:creationId xmlns:p14="http://schemas.microsoft.com/office/powerpoint/2010/main" val="1950887744"/>
       </p:ext>
     </p:extLst>
   </p:cSld>
@@ -3323,7 +3323,7 @@
       </p:grpSpPr>
       <p:pic>
         <p:nvPicPr>
-          <p:cNvPr id="198658" name="Picture 2" descr="193"/>
+          <p:cNvPr id="199682" name="Picture 2" descr="194"/>
           <p:cNvPicPr>
             <a:picLocks noChangeAspect="1" noChangeArrowheads="1"/>
           </p:cNvPicPr>
